--- a/doc/Cer2016_Femke Thon & Jolien Gay.pptx
+++ b/doc/Cer2016_Femke Thon & Jolien Gay.pptx
@@ -1123,11 +1123,7 @@
             </a:r>
             <a:r>
               <a:rPr lang="en-GB" baseline="0" dirty="0" smtClean="0"/>
-              <a:t>: new species may create </a:t>
-            </a:r>
-            <a:r>
-              <a:rPr lang="en-GB" baseline="0" smtClean="0"/>
-              <a:t>new niches</a:t>
+              <a:t>: new species may create new niches</a:t>
             </a:r>
             <a:endParaRPr lang="en-GB" dirty="0"/>
           </a:p>
@@ -1240,11 +1236,7 @@
             </a:pPr>
             <a:r>
               <a:rPr lang="en-GB" baseline="0" dirty="0" smtClean="0"/>
-              <a:t>   - In our research: </a:t>
-            </a:r>
-            <a:r>
-              <a:rPr lang="en-GB" baseline="0" dirty="0" smtClean="0"/>
-              <a:t>Around 1000 parameter files</a:t>
+              <a:t>   - In our research: Around 1000 parameter files</a:t>
             </a:r>
           </a:p>
           <a:p>
@@ -1361,7 +1353,6 @@
               <a:rPr lang="en-GB" baseline="0" dirty="0" smtClean="0"/>
               <a:t> parameter file</a:t>
             </a:r>
-            <a:endParaRPr lang="en-GB" baseline="0" dirty="0" smtClean="0"/>
           </a:p>
           <a:p>
             <a:pPr marL="0" marR="0" indent="0" algn="l" defTabSz="914400" rtl="0" eaLnBrk="1" fontAlgn="auto" latinLnBrk="0" hangingPunct="1">
@@ -1624,17 +1615,8 @@
             </a:r>
             <a:r>
               <a:rPr lang="en-GB" baseline="0" dirty="0" smtClean="0"/>
-              <a:t> </a:t>
-            </a:r>
-            <a:r>
-              <a:rPr lang="en-GB" baseline="0" dirty="0" smtClean="0"/>
-              <a:t>posteriors / parameter set (incipient tree</a:t>
-            </a:r>
-            <a:r>
-              <a:rPr lang="en-GB" baseline="0" dirty="0" smtClean="0"/>
-              <a:t>)</a:t>
-            </a:r>
-            <a:endParaRPr lang="en-GB" baseline="0" dirty="0" smtClean="0"/>
+              <a:t> posteriors / parameter set (incipient tree)</a:t>
+            </a:r>
           </a:p>
         </p:txBody>
       </p:sp>
@@ -6884,9 +6866,102 @@
           <a:noFill/>
         </p:spPr>
       </p:pic>
+      <p:sp>
+        <p:nvSpPr>
+          <p:cNvPr id="2" name="Title 1"/>
+          <p:cNvSpPr>
+            <a:spLocks noGrp="1"/>
+          </p:cNvSpPr>
+          <p:nvPr>
+            <p:ph type="title"/>
+          </p:nvPr>
+        </p:nvSpPr>
+        <p:spPr/>
+        <p:txBody>
+          <a:bodyPr/>
+          <a:lstStyle/>
+          <a:p>
+            <a:r>
+              <a:rPr lang="en-GB" b="1" dirty="0" smtClean="0"/>
+              <a:t>Research Question</a:t>
+            </a:r>
+            <a:endParaRPr lang="en-GB" b="1" dirty="0"/>
+          </a:p>
+        </p:txBody>
+      </p:sp>
+      <p:sp>
+        <p:nvSpPr>
+          <p:cNvPr id="3" name="Content Placeholder 2"/>
+          <p:cNvSpPr>
+            <a:spLocks noGrp="1"/>
+          </p:cNvSpPr>
+          <p:nvPr>
+            <p:ph idx="1"/>
+          </p:nvPr>
+        </p:nvSpPr>
+        <p:spPr>
+          <a:xfrm>
+            <a:off x="0" y="2209800"/>
+            <a:ext cx="9144000" cy="2133600"/>
+          </a:xfrm>
+        </p:spPr>
+        <p:txBody>
+          <a:bodyPr>
+            <a:noAutofit/>
+          </a:bodyPr>
+          <a:lstStyle/>
+          <a:p>
+            <a:pPr algn="ctr">
+              <a:buNone/>
+            </a:pPr>
+            <a:r>
+              <a:rPr lang="en-GB" dirty="0" smtClean="0"/>
+              <a:t>If speciation in nature takes </a:t>
+            </a:r>
+            <a:r>
+              <a:rPr lang="en-GB" b="1" dirty="0" smtClean="0"/>
+              <a:t>time</a:t>
+            </a:r>
+            <a:r>
+              <a:rPr lang="en-GB" dirty="0" smtClean="0"/>
+              <a:t>, </a:t>
+            </a:r>
+          </a:p>
+          <a:p>
+            <a:pPr algn="ctr">
+              <a:buNone/>
+            </a:pPr>
+            <a:r>
+              <a:rPr lang="en-GB" dirty="0" smtClean="0"/>
+              <a:t>what is the </a:t>
+            </a:r>
+            <a:r>
+              <a:rPr lang="en-GB" b="1" dirty="0" smtClean="0"/>
+              <a:t>error</a:t>
+            </a:r>
+            <a:r>
+              <a:rPr lang="en-GB" dirty="0" smtClean="0"/>
+              <a:t> BEAST2 makes in inferring a phylogeny?</a:t>
+            </a:r>
+            <a:endParaRPr lang="nl-NL" dirty="0" smtClean="0"/>
+          </a:p>
+          <a:p>
+            <a:pPr>
+              <a:buNone/>
+            </a:pPr>
+            <a:endParaRPr lang="nl-NL" sz="2400" dirty="0" smtClean="0"/>
+          </a:p>
+          <a:p>
+            <a:pPr>
+              <a:buNone/>
+            </a:pPr>
+            <a:endParaRPr lang="en-GB" sz="2000" dirty="0"/>
+          </a:p>
+        </p:txBody>
+      </p:sp>
       <p:pic>
         <p:nvPicPr>
-          <p:cNvPr id="7" name="Picture 3" descr="C:\Users\Aline\Downloads\il_570xN.450080809_qa36.jpg"/>
+          <p:cNvPr id="6" name="Picture 3" descr="C:\Users\Aline\Downloads\il_570xN.450080809_qa36.jpg"/>
           <p:cNvPicPr>
             <a:picLocks noChangeAspect="1" noChangeArrowheads="1"/>
           </p:cNvPicPr>
@@ -6903,7 +6978,7 @@
         </p:blipFill>
         <p:spPr bwMode="auto">
           <a:xfrm>
-            <a:off x="3505200" y="3505200"/>
+            <a:off x="3505200" y="4114800"/>
             <a:ext cx="2057400" cy="2057400"/>
           </a:xfrm>
           <a:prstGeom prst="rect">
@@ -6912,99 +6987,6 @@
           <a:noFill/>
         </p:spPr>
       </p:pic>
-      <p:sp>
-        <p:nvSpPr>
-          <p:cNvPr id="2" name="Title 1"/>
-          <p:cNvSpPr>
-            <a:spLocks noGrp="1"/>
-          </p:cNvSpPr>
-          <p:nvPr>
-            <p:ph type="title"/>
-          </p:nvPr>
-        </p:nvSpPr>
-        <p:spPr/>
-        <p:txBody>
-          <a:bodyPr/>
-          <a:lstStyle/>
-          <a:p>
-            <a:r>
-              <a:rPr lang="en-GB" b="1" dirty="0" smtClean="0"/>
-              <a:t>Research Question</a:t>
-            </a:r>
-            <a:endParaRPr lang="en-GB" b="1" dirty="0"/>
-          </a:p>
-        </p:txBody>
-      </p:sp>
-      <p:sp>
-        <p:nvSpPr>
-          <p:cNvPr id="3" name="Content Placeholder 2"/>
-          <p:cNvSpPr>
-            <a:spLocks noGrp="1"/>
-          </p:cNvSpPr>
-          <p:nvPr>
-            <p:ph idx="1"/>
-          </p:nvPr>
-        </p:nvSpPr>
-        <p:spPr>
-          <a:xfrm>
-            <a:off x="0" y="2209800"/>
-            <a:ext cx="9144000" cy="2133600"/>
-          </a:xfrm>
-        </p:spPr>
-        <p:txBody>
-          <a:bodyPr>
-            <a:noAutofit/>
-          </a:bodyPr>
-          <a:lstStyle/>
-          <a:p>
-            <a:pPr algn="ctr">
-              <a:buNone/>
-            </a:pPr>
-            <a:r>
-              <a:rPr lang="en-GB" dirty="0" smtClean="0"/>
-              <a:t>If speciation in nature takes </a:t>
-            </a:r>
-            <a:r>
-              <a:rPr lang="en-GB" b="1" dirty="0" smtClean="0"/>
-              <a:t>time</a:t>
-            </a:r>
-            <a:r>
-              <a:rPr lang="en-GB" dirty="0" smtClean="0"/>
-              <a:t>, </a:t>
-            </a:r>
-          </a:p>
-          <a:p>
-            <a:pPr algn="ctr">
-              <a:buNone/>
-            </a:pPr>
-            <a:r>
-              <a:rPr lang="en-GB" dirty="0" smtClean="0"/>
-              <a:t>what is the </a:t>
-            </a:r>
-            <a:r>
-              <a:rPr lang="en-GB" b="1" dirty="0" smtClean="0"/>
-              <a:t>error</a:t>
-            </a:r>
-            <a:r>
-              <a:rPr lang="en-GB" dirty="0" smtClean="0"/>
-              <a:t> BEAST2 makes in inferring a phylogeny?</a:t>
-            </a:r>
-            <a:endParaRPr lang="nl-NL" dirty="0" smtClean="0"/>
-          </a:p>
-          <a:p>
-            <a:pPr>
-              <a:buNone/>
-            </a:pPr>
-            <a:endParaRPr lang="nl-NL" sz="2400" dirty="0" smtClean="0"/>
-          </a:p>
-          <a:p>
-            <a:pPr>
-              <a:buNone/>
-            </a:pPr>
-            <a:endParaRPr lang="en-GB" sz="2000" dirty="0"/>
-          </a:p>
-        </p:txBody>
-      </p:sp>
     </p:spTree>
   </p:cSld>
   <p:clrMapOvr>
@@ -8174,146 +8156,6 @@
           <a:noFill/>
         </p:spPr>
       </p:pic>
-      <p:sp>
-        <p:nvSpPr>
-          <p:cNvPr id="4" name="Title 1"/>
-          <p:cNvSpPr>
-            <a:spLocks noGrp="1"/>
-          </p:cNvSpPr>
-          <p:nvPr>
-            <p:ph type="title"/>
-          </p:nvPr>
-        </p:nvSpPr>
-        <p:spPr/>
-        <p:txBody>
-          <a:bodyPr/>
-          <a:lstStyle/>
-          <a:p>
-            <a:r>
-              <a:rPr lang="en-GB" b="1" dirty="0" smtClean="0"/>
-              <a:t>Introduction</a:t>
-            </a:r>
-            <a:endParaRPr lang="en-GB" b="1" dirty="0"/>
-          </a:p>
-        </p:txBody>
-      </p:sp>
-      <p:sp>
-        <p:nvSpPr>
-          <p:cNvPr id="3" name="Content Placeholder 2"/>
-          <p:cNvSpPr>
-            <a:spLocks noGrp="1"/>
-          </p:cNvSpPr>
-          <p:nvPr>
-            <p:ph idx="1"/>
-          </p:nvPr>
-        </p:nvSpPr>
-        <p:spPr/>
-        <p:txBody>
-          <a:bodyPr/>
-          <a:lstStyle/>
-          <a:p>
-            <a:pPr>
-              <a:buNone/>
-            </a:pPr>
-            <a:r>
-              <a:rPr lang="en-GB" dirty="0" smtClean="0"/>
-              <a:t>Possible </a:t>
-            </a:r>
-            <a:r>
-              <a:rPr lang="en-GB" b="1" dirty="0" smtClean="0"/>
-              <a:t>explanations </a:t>
-            </a:r>
-            <a:r>
-              <a:rPr lang="en-GB" sz="2000" dirty="0" smtClean="0">
-                <a:solidFill>
-                  <a:schemeClr val="tx1">
-                    <a:lumMod val="75000"/>
-                    <a:lumOff val="25000"/>
-                  </a:schemeClr>
-                </a:solidFill>
-              </a:rPr>
-              <a:t>(</a:t>
-            </a:r>
-            <a:r>
-              <a:rPr lang="en-GB" sz="2000" dirty="0" smtClean="0">
-                <a:solidFill>
-                  <a:schemeClr val="tx1">
-                    <a:lumMod val="75000"/>
-                    <a:lumOff val="25000"/>
-                  </a:schemeClr>
-                </a:solidFill>
-              </a:rPr>
-              <a:t>Etienne </a:t>
-            </a:r>
-            <a:r>
-              <a:rPr lang="en-GB" sz="2000" dirty="0" smtClean="0">
-                <a:solidFill>
-                  <a:schemeClr val="tx1">
-                    <a:lumMod val="75000"/>
-                    <a:lumOff val="25000"/>
-                  </a:schemeClr>
-                </a:solidFill>
-              </a:rPr>
-              <a:t>and </a:t>
-            </a:r>
-            <a:r>
-              <a:rPr lang="en-GB" sz="2000" dirty="0" err="1" smtClean="0">
-                <a:solidFill>
-                  <a:schemeClr val="tx1">
-                    <a:lumMod val="75000"/>
-                    <a:lumOff val="25000"/>
-                  </a:schemeClr>
-                </a:solidFill>
-              </a:rPr>
-              <a:t>Rosindell</a:t>
-            </a:r>
-            <a:r>
-              <a:rPr lang="en-GB" sz="2000" dirty="0" smtClean="0">
-                <a:solidFill>
-                  <a:schemeClr val="tx1">
-                    <a:lumMod val="75000"/>
-                    <a:lumOff val="25000"/>
-                  </a:schemeClr>
-                </a:solidFill>
-              </a:rPr>
-              <a:t> (2012</a:t>
-            </a:r>
-            <a:r>
-              <a:rPr lang="en-GB" sz="2000" dirty="0" smtClean="0">
-                <a:solidFill>
-                  <a:schemeClr val="tx1">
-                    <a:lumMod val="75000"/>
-                    <a:lumOff val="25000"/>
-                  </a:schemeClr>
-                </a:solidFill>
-              </a:rPr>
-              <a:t>))</a:t>
-            </a:r>
-            <a:r>
-              <a:rPr lang="en-GB" dirty="0" smtClean="0"/>
-              <a:t>:</a:t>
-            </a:r>
-          </a:p>
-          <a:p>
-            <a:pPr lvl="1"/>
-            <a:r>
-              <a:rPr lang="en-GB" sz="2400" dirty="0" smtClean="0"/>
-              <a:t>Sampling </a:t>
-            </a:r>
-            <a:r>
-              <a:rPr lang="en-GB" sz="2400" dirty="0" smtClean="0"/>
-              <a:t>artefact </a:t>
-            </a:r>
-          </a:p>
-          <a:p>
-            <a:pPr lvl="1"/>
-            <a:r>
-              <a:rPr lang="en-GB" sz="2400" dirty="0" smtClean="0"/>
-              <a:t>Diversity dependence</a:t>
-            </a:r>
-          </a:p>
-        </p:txBody>
-      </p:sp>
       <p:pic>
         <p:nvPicPr>
           <p:cNvPr id="6" name="Picture 3" descr="C:\Users\Aline\Downloads\il_570xN.450080809_qa36.jpg"/>
@@ -8333,7 +8175,7 @@
         </p:blipFill>
         <p:spPr bwMode="auto">
           <a:xfrm>
-            <a:off x="3505200" y="3505200"/>
+            <a:off x="3505200" y="4114800"/>
             <a:ext cx="2057400" cy="2057400"/>
           </a:xfrm>
           <a:prstGeom prst="rect">
@@ -8342,6 +8184,298 @@
           <a:noFill/>
         </p:spPr>
       </p:pic>
+      <p:sp>
+        <p:nvSpPr>
+          <p:cNvPr id="4" name="Title 1"/>
+          <p:cNvSpPr>
+            <a:spLocks noGrp="1"/>
+          </p:cNvSpPr>
+          <p:nvPr>
+            <p:ph type="title"/>
+          </p:nvPr>
+        </p:nvSpPr>
+        <p:spPr/>
+        <p:txBody>
+          <a:bodyPr/>
+          <a:lstStyle/>
+          <a:p>
+            <a:r>
+              <a:rPr lang="en-GB" b="1" dirty="0" smtClean="0"/>
+              <a:t>Introduction</a:t>
+            </a:r>
+            <a:endParaRPr lang="en-GB" b="1" dirty="0"/>
+          </a:p>
+        </p:txBody>
+      </p:sp>
+      <p:sp>
+        <p:nvSpPr>
+          <p:cNvPr id="3" name="Content Placeholder 2"/>
+          <p:cNvSpPr>
+            <a:spLocks noGrp="1"/>
+          </p:cNvSpPr>
+          <p:nvPr>
+            <p:ph idx="1"/>
+          </p:nvPr>
+        </p:nvSpPr>
+        <p:spPr/>
+        <p:txBody>
+          <a:bodyPr/>
+          <a:lstStyle/>
+          <a:p>
+            <a:pPr>
+              <a:buNone/>
+            </a:pPr>
+            <a:r>
+              <a:rPr lang="en-GB" dirty="0" smtClean="0"/>
+              <a:t>Possible </a:t>
+            </a:r>
+            <a:r>
+              <a:rPr lang="en-GB" b="1" dirty="0" smtClean="0"/>
+              <a:t>explanations</a:t>
+            </a:r>
+            <a:r>
+              <a:rPr lang="en-GB" dirty="0" smtClean="0"/>
+              <a:t>:</a:t>
+            </a:r>
+            <a:endParaRPr lang="en-GB" dirty="0" smtClean="0"/>
+          </a:p>
+          <a:p>
+            <a:pPr lvl="1"/>
+            <a:r>
+              <a:rPr lang="en-GB" sz="2400" dirty="0" smtClean="0"/>
+              <a:t>Sampling </a:t>
+            </a:r>
+            <a:r>
+              <a:rPr lang="en-GB" sz="2400" dirty="0" smtClean="0"/>
+              <a:t>artefact</a:t>
+            </a:r>
+            <a:endParaRPr lang="en-GB" sz="1600" dirty="0" smtClean="0">
+              <a:solidFill>
+                <a:schemeClr val="tx1">
+                  <a:lumMod val="75000"/>
+                  <a:lumOff val="25000"/>
+                </a:schemeClr>
+              </a:solidFill>
+            </a:endParaRPr>
+          </a:p>
+          <a:p>
+            <a:pPr lvl="2">
+              <a:buFont typeface="Wingdings" pitchFamily="2" charset="2"/>
+              <a:buChar char="§"/>
+            </a:pPr>
+            <a:r>
+              <a:rPr lang="nl-NL" sz="2000" dirty="0" smtClean="0"/>
+              <a:t>Small sample -&gt; slowdown</a:t>
+            </a:r>
+            <a:r>
+              <a:rPr lang="en-GB" sz="2000" dirty="0" smtClean="0"/>
+              <a:t> </a:t>
+            </a:r>
+            <a:r>
+              <a:rPr lang="en-GB" sz="1600" dirty="0" smtClean="0">
+                <a:solidFill>
+                  <a:schemeClr val="tx1">
+                    <a:lumMod val="75000"/>
+                    <a:lumOff val="25000"/>
+                  </a:schemeClr>
+                </a:solidFill>
+              </a:rPr>
+              <a:t>(Nee et al. 1994b)</a:t>
+            </a:r>
+            <a:endParaRPr lang="nl-NL" sz="2000" dirty="0" smtClean="0">
+              <a:solidFill>
+                <a:schemeClr val="tx1">
+                  <a:lumMod val="75000"/>
+                  <a:lumOff val="25000"/>
+                </a:schemeClr>
+              </a:solidFill>
+            </a:endParaRPr>
+          </a:p>
+          <a:p>
+            <a:pPr lvl="2">
+              <a:buFont typeface="Wingdings" pitchFamily="2" charset="2"/>
+              <a:buChar char="§"/>
+            </a:pPr>
+            <a:r>
+              <a:rPr lang="nl-NL" sz="2000" dirty="0" smtClean="0"/>
+              <a:t>BUT: not with complete phylogenies </a:t>
+            </a:r>
+            <a:r>
+              <a:rPr lang="en-GB" sz="1600" dirty="0" smtClean="0">
+                <a:solidFill>
+                  <a:schemeClr val="tx1">
+                    <a:lumMod val="75000"/>
+                    <a:lumOff val="25000"/>
+                  </a:schemeClr>
+                </a:solidFill>
+              </a:rPr>
+              <a:t>(</a:t>
+            </a:r>
+            <a:r>
+              <a:rPr lang="en-GB" sz="1600" dirty="0" err="1" smtClean="0">
+                <a:solidFill>
+                  <a:schemeClr val="tx1">
+                    <a:lumMod val="75000"/>
+                    <a:lumOff val="25000"/>
+                  </a:schemeClr>
+                </a:solidFill>
+              </a:rPr>
+              <a:t>Phillimore</a:t>
+            </a:r>
+            <a:r>
+              <a:rPr lang="en-GB" sz="1600" dirty="0" smtClean="0">
+                <a:solidFill>
+                  <a:schemeClr val="tx1">
+                    <a:lumMod val="75000"/>
+                    <a:lumOff val="25000"/>
+                  </a:schemeClr>
+                </a:solidFill>
+              </a:rPr>
+              <a:t> and Price 2008)</a:t>
+            </a:r>
+            <a:endParaRPr lang="en-GB" sz="2000" dirty="0" smtClean="0">
+              <a:solidFill>
+                <a:schemeClr val="tx1">
+                  <a:lumMod val="75000"/>
+                  <a:lumOff val="25000"/>
+                </a:schemeClr>
+              </a:solidFill>
+            </a:endParaRPr>
+          </a:p>
+          <a:p>
+            <a:pPr lvl="2">
+              <a:buFont typeface="Wingdings" pitchFamily="2" charset="2"/>
+              <a:buChar char="§"/>
+            </a:pPr>
+            <a:endParaRPr lang="en-GB" sz="2000" dirty="0" smtClean="0"/>
+          </a:p>
+          <a:p>
+            <a:pPr lvl="1"/>
+            <a:r>
+              <a:rPr lang="en-GB" sz="2400" dirty="0" smtClean="0"/>
+              <a:t>Diversity </a:t>
+            </a:r>
+            <a:r>
+              <a:rPr lang="en-GB" sz="2400" dirty="0" smtClean="0"/>
+              <a:t>dependence</a:t>
+            </a:r>
+            <a:endParaRPr lang="en-GB" sz="1800" dirty="0" smtClean="0">
+              <a:solidFill>
+                <a:schemeClr val="tx1">
+                  <a:lumMod val="75000"/>
+                  <a:lumOff val="25000"/>
+                </a:schemeClr>
+              </a:solidFill>
+            </a:endParaRPr>
+          </a:p>
+          <a:p>
+            <a:pPr lvl="2">
+              <a:buFont typeface="Wingdings" pitchFamily="2" charset="2"/>
+              <a:buChar char="§"/>
+            </a:pPr>
+            <a:r>
+              <a:rPr lang="nl-NL" sz="2000" dirty="0" smtClean="0"/>
+              <a:t>Slowdown due to niche filling</a:t>
+            </a:r>
+            <a:r>
+              <a:rPr lang="en-GB" sz="2000" dirty="0" smtClean="0">
+                <a:solidFill>
+                  <a:schemeClr val="tx1">
+                    <a:lumMod val="75000"/>
+                    <a:lumOff val="25000"/>
+                  </a:schemeClr>
+                </a:solidFill>
+              </a:rPr>
+              <a:t> </a:t>
+            </a:r>
+            <a:r>
+              <a:rPr lang="en-GB" sz="1600" dirty="0" smtClean="0">
+                <a:solidFill>
+                  <a:schemeClr val="tx1">
+                    <a:lumMod val="75000"/>
+                    <a:lumOff val="25000"/>
+                  </a:schemeClr>
+                </a:solidFill>
+              </a:rPr>
+              <a:t>(</a:t>
+            </a:r>
+            <a:r>
+              <a:rPr lang="en-GB" sz="1600" dirty="0" err="1" smtClean="0">
+                <a:solidFill>
+                  <a:schemeClr val="tx1">
+                    <a:lumMod val="75000"/>
+                    <a:lumOff val="25000"/>
+                  </a:schemeClr>
+                </a:solidFill>
+              </a:rPr>
+              <a:t>Ricklefs</a:t>
+            </a:r>
+            <a:r>
+              <a:rPr lang="en-GB" sz="1600" dirty="0" smtClean="0">
+                <a:solidFill>
+                  <a:schemeClr val="tx1">
+                    <a:lumMod val="75000"/>
+                    <a:lumOff val="25000"/>
+                  </a:schemeClr>
+                </a:solidFill>
+              </a:rPr>
+              <a:t> 2010) </a:t>
+            </a:r>
+            <a:endParaRPr lang="en-GB" sz="2000" dirty="0" smtClean="0"/>
+          </a:p>
+          <a:p>
+            <a:pPr lvl="2">
+              <a:buFont typeface="Wingdings" pitchFamily="2" charset="2"/>
+              <a:buChar char="§"/>
+            </a:pPr>
+            <a:r>
+              <a:rPr lang="en-GB" sz="2000" dirty="0" smtClean="0"/>
+              <a:t>BUT: new species -&gt; new niches </a:t>
+            </a:r>
+            <a:r>
+              <a:rPr lang="en-GB" sz="1600" dirty="0" smtClean="0">
+                <a:solidFill>
+                  <a:schemeClr val="tx1">
+                    <a:lumMod val="75000"/>
+                    <a:lumOff val="25000"/>
+                  </a:schemeClr>
+                </a:solidFill>
+              </a:rPr>
+              <a:t>(</a:t>
+            </a:r>
+            <a:r>
+              <a:rPr lang="en-GB" sz="1600" dirty="0" err="1" smtClean="0">
+                <a:solidFill>
+                  <a:schemeClr val="tx1">
+                    <a:lumMod val="75000"/>
+                    <a:lumOff val="25000"/>
+                  </a:schemeClr>
+                </a:solidFill>
+              </a:rPr>
+              <a:t>Odling-Smee</a:t>
+            </a:r>
+            <a:r>
+              <a:rPr lang="en-GB" sz="1600" dirty="0" smtClean="0">
+                <a:solidFill>
+                  <a:schemeClr val="tx1">
+                    <a:lumMod val="75000"/>
+                    <a:lumOff val="25000"/>
+                  </a:schemeClr>
+                </a:solidFill>
+              </a:rPr>
+              <a:t> et al. 2003)</a:t>
+            </a:r>
+            <a:endParaRPr lang="en-GB" sz="1200" dirty="0" smtClean="0">
+              <a:solidFill>
+                <a:schemeClr val="tx1">
+                  <a:lumMod val="75000"/>
+                  <a:lumOff val="25000"/>
+                </a:schemeClr>
+              </a:solidFill>
+            </a:endParaRPr>
+          </a:p>
+        </p:txBody>
+      </p:sp>
     </p:spTree>
   </p:cSld>
   <p:clrMapOvr>
@@ -8481,8 +8615,13 @@
             <a:pPr lvl="1"/>
             <a:r>
               <a:rPr lang="nl-NL" sz="2400" dirty="0" smtClean="0"/>
-              <a:t>Assumes two states</a:t>
-            </a:r>
+              <a:t>Assumes two </a:t>
+            </a:r>
+            <a:r>
+              <a:rPr lang="nl-NL" sz="2400" dirty="0" smtClean="0"/>
+              <a:t>stages</a:t>
+            </a:r>
+            <a:endParaRPr lang="nl-NL" sz="2400" dirty="0" smtClean="0"/>
           </a:p>
           <a:p>
             <a:pPr lvl="1"/>
@@ -9078,11 +9217,7 @@
             <a:pPr lvl="1"/>
             <a:r>
               <a:rPr lang="en-GB" sz="2000" b="1" dirty="0" smtClean="0"/>
-              <a:t>Sequence </a:t>
-            </a:r>
-            <a:r>
-              <a:rPr lang="en-GB" sz="2000" b="1" dirty="0" smtClean="0"/>
-              <a:t>length</a:t>
+              <a:t>Sequence length</a:t>
             </a:r>
             <a:endParaRPr lang="nl-NL" sz="2400" b="1" dirty="0" smtClean="0"/>
           </a:p>
@@ -9591,11 +9726,7 @@
             <a:pPr lvl="1"/>
             <a:r>
               <a:rPr lang="en-GB" sz="2000" b="1" dirty="0" smtClean="0"/>
-              <a:t>Sequence </a:t>
-            </a:r>
-            <a:r>
-              <a:rPr lang="en-GB" sz="2000" b="1" dirty="0" smtClean="0"/>
-              <a:t>length</a:t>
+              <a:t>Sequence length</a:t>
             </a:r>
             <a:endParaRPr lang="nl-NL" sz="2400" b="1" dirty="0" smtClean="0"/>
           </a:p>
@@ -9853,11 +9984,7 @@
             <a:pPr algn="ctr"/>
             <a:r>
               <a:rPr lang="en-GB" dirty="0" smtClean="0"/>
-              <a:t>‘true’ </a:t>
-            </a:r>
-            <a:r>
-              <a:rPr lang="en-GB" dirty="0" smtClean="0"/>
-              <a:t>tree</a:t>
+              <a:t>‘true’ tree</a:t>
             </a:r>
             <a:endParaRPr lang="en-GB" dirty="0"/>
           </a:p>
@@ -10001,24 +10128,7 @@
                 <a:ea typeface="+mj-ea"/>
                 <a:cs typeface="+mj-cs"/>
               </a:rPr>
-              <a:t>Material &amp; </a:t>
-            </a:r>
-            <a:r>
-              <a:rPr kumimoji="0" lang="en-GB" sz="4400" b="1" i="0" u="none" strike="noStrike" kern="1200" cap="none" spc="0" normalizeH="0" baseline="0" noProof="0" dirty="0" smtClean="0">
-                <a:ln>
-                  <a:noFill/>
-                </a:ln>
-                <a:solidFill>
-                  <a:schemeClr val="tx1"/>
-                </a:solidFill>
-                <a:effectLst/>
-                <a:uLnTx/>
-                <a:uFillTx/>
-                <a:latin typeface="+mj-lt"/>
-                <a:ea typeface="+mj-ea"/>
-                <a:cs typeface="+mj-cs"/>
-              </a:rPr>
-              <a:t>Methods:</a:t>
+              <a:t>Material &amp; Methods:</a:t>
             </a:r>
             <a:r>
               <a:rPr kumimoji="0" lang="en-GB" sz="4400" i="0" u="none" strike="noStrike" kern="1200" cap="none" spc="0" normalizeH="0" baseline="0" noProof="0" dirty="0" smtClean="0">
@@ -10187,15 +10297,7 @@
             <a:pPr algn="ctr"/>
             <a:r>
               <a:rPr lang="en-GB" dirty="0" smtClean="0"/>
-              <a:t>s</a:t>
-            </a:r>
-            <a:r>
-              <a:rPr lang="en-GB" dirty="0" smtClean="0"/>
-              <a:t>ampled </a:t>
-            </a:r>
-            <a:r>
-              <a:rPr lang="en-GB" dirty="0" smtClean="0"/>
-              <a:t>species tree</a:t>
+              <a:t>sampled species tree</a:t>
             </a:r>
             <a:endParaRPr lang="en-GB" dirty="0"/>
           </a:p>
